--- a/Stroke Prediction.pptx
+++ b/Stroke Prediction.pptx
@@ -5967,7 +5967,7 @@
         <p:spPr>
           <a:xfrm>
             <a:off x="5625886" y="232474"/>
-            <a:ext cx="5222928" cy="646331"/>
+            <a:ext cx="5222928" cy="1477328"/>
           </a:xfrm>
           <a:prstGeom prst="rect">
             <a:avLst/>
@@ -5982,7 +5982,16 @@
           <a:p>
             <a:r>
               <a:rPr lang="en-US" dirty="0"/>
-              <a:t>Recall: Focusing on Recall as the metric we want to improve.</a:t>
+              <a:t>Recall: Focusing on Recall as the metric we want to improve. It is the measure of our model correctly identifying ‘True Positives’. </a:t>
+            </a:r>
+          </a:p>
+          <a:p>
+            <a:endParaRPr lang="en-US" dirty="0"/>
+          </a:p>
+          <a:p>
+            <a:r>
+              <a:rPr lang="en-US" dirty="0"/>
+              <a:t>Recall = TP/(TP+ FN)</a:t>
             </a:r>
           </a:p>
         </p:txBody>
@@ -7872,6 +7881,23 @@
 </file>
 
 <file path=customXml/item1.xml><?xml version="1.0" encoding="utf-8"?>
+<?mso-contentType ?>
+<FormTemplates xmlns="http://schemas.microsoft.com/sharepoint/v3/contenttype/forms">
+  <Display>DocumentLibraryForm</Display>
+  <Edit>DocumentLibraryForm</Edit>
+  <New>DocumentLibraryForm</New>
+</FormTemplates>
+</file>
+
+<file path=customXml/item2.xml><?xml version="1.0" encoding="utf-8"?>
+<p:properties xmlns:p="http://schemas.microsoft.com/office/2006/metadata/properties" xmlns:xsi="http://www.w3.org/2001/XMLSchema-instance" xmlns:pc="http://schemas.microsoft.com/office/infopath/2007/PartnerControls">
+  <documentManagement>
+    <MediaServiceKeyPoints xmlns="71af3243-3dd4-4a8d-8c0d-dd76da1f02a5" xsi:nil="true"/>
+  </documentManagement>
+</p:properties>
+</file>
+
+<file path=customXml/item3.xml><?xml version="1.0" encoding="utf-8"?>
 <ct:contentTypeSchema xmlns:ct="http://schemas.microsoft.com/office/2006/metadata/contentType" xmlns:ma="http://schemas.microsoft.com/office/2006/metadata/properties/metaAttributes" ct:_="" ma:_="" ma:contentTypeName="Document" ma:contentTypeID="0x01010079F111ED35F8CC479449609E8A0923A6" ma:contentTypeVersion="11" ma:contentTypeDescription="Create a new document." ma:contentTypeScope="" ma:versionID="9677210f24a1be23c92c90fd886aa0aa">
   <xsd:schema xmlns:xsd="http://www.w3.org/2001/XMLSchema" xmlns:xs="http://www.w3.org/2001/XMLSchema" xmlns:p="http://schemas.microsoft.com/office/2006/metadata/properties" xmlns:ns2="71af3243-3dd4-4a8d-8c0d-dd76da1f02a5" xmlns:ns3="16c05727-aa75-4e4a-9b5f-8a80a1165891" targetNamespace="http://schemas.microsoft.com/office/2006/metadata/properties" ma:root="true" ma:fieldsID="60e05723c5c1908df1a1a4ebf11d344e" ns2:_="" ns3:_="">
     <xsd:import namespace="71af3243-3dd4-4a8d-8c0d-dd76da1f02a5"/>
@@ -8082,24 +8108,25 @@
 </ct:contentTypeSchema>
 </file>
 
-<file path=customXml/item2.xml><?xml version="1.0" encoding="utf-8"?>
-<p:properties xmlns:p="http://schemas.microsoft.com/office/2006/metadata/properties" xmlns:xsi="http://www.w3.org/2001/XMLSchema-instance" xmlns:pc="http://schemas.microsoft.com/office/infopath/2007/PartnerControls">
-  <documentManagement>
-    <MediaServiceKeyPoints xmlns="71af3243-3dd4-4a8d-8c0d-dd76da1f02a5" xsi:nil="true"/>
-  </documentManagement>
-</p:properties>
+<file path=customXml/itemProps1.xml><?xml version="1.0" encoding="utf-8"?>
+<ds:datastoreItem xmlns:ds="http://schemas.openxmlformats.org/officeDocument/2006/customXml" ds:itemID="{209D4EA3-187B-4130-8E4D-A4F81F967848}">
+  <ds:schemaRefs>
+    <ds:schemaRef ds:uri="http://schemas.microsoft.com/sharepoint/v3/contenttype/forms"/>
+  </ds:schemaRefs>
+</ds:datastoreItem>
 </file>
 
-<file path=customXml/item3.xml><?xml version="1.0" encoding="utf-8"?>
-<?mso-contentType ?>
-<FormTemplates xmlns="http://schemas.microsoft.com/sharepoint/v3/contenttype/forms">
-  <Display>DocumentLibraryForm</Display>
-  <Edit>DocumentLibraryForm</Edit>
-  <New>DocumentLibraryForm</New>
-</FormTemplates>
+<file path=customXml/itemProps2.xml><?xml version="1.0" encoding="utf-8"?>
+<ds:datastoreItem xmlns:ds="http://schemas.openxmlformats.org/officeDocument/2006/customXml" ds:itemID="{6E38766F-4A4C-4A97-A586-D473DB738966}">
+  <ds:schemaRefs>
+    <ds:schemaRef ds:uri="http://schemas.microsoft.com/office/2006/metadata/properties"/>
+    <ds:schemaRef ds:uri="http://schemas.microsoft.com/office/infopath/2007/PartnerControls"/>
+    <ds:schemaRef ds:uri="71af3243-3dd4-4a8d-8c0d-dd76da1f02a5"/>
+  </ds:schemaRefs>
+</ds:datastoreItem>
 </file>
 
-<file path=customXml/itemProps1.xml><?xml version="1.0" encoding="utf-8"?>
+<file path=customXml/itemProps3.xml><?xml version="1.0" encoding="utf-8"?>
 <ds:datastoreItem xmlns:ds="http://schemas.openxmlformats.org/officeDocument/2006/customXml" ds:itemID="{A15A3BA9-6D02-4532-AB7C-88A97C6EE271}">
   <ds:schemaRefs>
     <ds:schemaRef ds:uri="http://schemas.microsoft.com/office/2006/metadata/contentType"/>
@@ -8116,22 +8143,4 @@
     <ds:schemaRef ds:uri="http://schemas.microsoft.com/internal/obd"/>
   </ds:schemaRefs>
 </ds:datastoreItem>
-</file>
-
-<file path=customXml/itemProps2.xml><?xml version="1.0" encoding="utf-8"?>
-<ds:datastoreItem xmlns:ds="http://schemas.openxmlformats.org/officeDocument/2006/customXml" ds:itemID="{6E38766F-4A4C-4A97-A586-D473DB738966}">
-  <ds:schemaRefs>
-    <ds:schemaRef ds:uri="http://schemas.microsoft.com/office/2006/metadata/properties"/>
-    <ds:schemaRef ds:uri="http://schemas.microsoft.com/office/infopath/2007/PartnerControls"/>
-    <ds:schemaRef ds:uri="71af3243-3dd4-4a8d-8c0d-dd76da1f02a5"/>
-  </ds:schemaRefs>
-</ds:datastoreItem>
-</file>
-
-<file path=customXml/itemProps3.xml><?xml version="1.0" encoding="utf-8"?>
-<ds:datastoreItem xmlns:ds="http://schemas.openxmlformats.org/officeDocument/2006/customXml" ds:itemID="{209D4EA3-187B-4130-8E4D-A4F81F967848}">
-  <ds:schemaRefs>
-    <ds:schemaRef ds:uri="http://schemas.microsoft.com/sharepoint/v3/contenttype/forms"/>
-  </ds:schemaRefs>
-</ds:datastoreItem>
 </file>